--- a/course_material/week_20/week_20_presentation.pptx
+++ b/course_material/week_20/week_20_presentation.pptx
@@ -6059,13 +6059,13 @@
           <a:p>
             <a:r>
               <a:rPr lang="en-US" dirty="0"/>
-              <a:t>CRUD vs REST APIs (15 mins)</a:t>
+              <a:t>Tokenization (15 mins)</a:t>
             </a:r>
           </a:p>
           <a:p>
             <a:r>
               <a:rPr lang="en-US" dirty="0"/>
-              <a:t>Building an API in Flask (25 mins)</a:t>
+              <a:t>Natural Language Processing (25 mins)</a:t>
             </a:r>
           </a:p>
           <a:p>
@@ -6076,8 +6076,12 @@
           </a:p>
           <a:p>
             <a:r>
+              <a:rPr lang="en-US"/>
+              <a:t>More NLP (</a:t>
+            </a:r>
+            <a:r>
               <a:rPr lang="en-US" dirty="0"/>
-              <a:t>Deploying a Flask API to AWS (20 mins)</a:t>
+              <a:t>20 mins)</a:t>
             </a:r>
           </a:p>
           <a:p>

--- a/course_material/week_20/week_20_presentation.pptx
+++ b/course_material/week_20/week_20_presentation.pptx
@@ -5,16 +5,19 @@
     <p:sldMasterId id="2147483696" r:id="rId1"/>
   </p:sldMasterIdLst>
   <p:notesMasterIdLst>
-    <p:notesMasterId r:id="rId9"/>
+    <p:notesMasterId r:id="rId12"/>
   </p:notesMasterIdLst>
   <p:sldIdLst>
     <p:sldId id="256" r:id="rId2"/>
     <p:sldId id="274" r:id="rId3"/>
     <p:sldId id="259" r:id="rId4"/>
     <p:sldId id="319" r:id="rId5"/>
-    <p:sldId id="322" r:id="rId6"/>
-    <p:sldId id="311" r:id="rId7"/>
-    <p:sldId id="271" r:id="rId8"/>
+    <p:sldId id="323" r:id="rId6"/>
+    <p:sldId id="325" r:id="rId7"/>
+    <p:sldId id="324" r:id="rId8"/>
+    <p:sldId id="322" r:id="rId9"/>
+    <p:sldId id="311" r:id="rId10"/>
+    <p:sldId id="271" r:id="rId11"/>
   </p:sldIdLst>
   <p:sldSz cx="12192000" cy="6858000"/>
   <p:notesSz cx="6858000" cy="9144000"/>
@@ -1829,7 +1832,7 @@
           <a:p>
             <a:fld id="{5CF9EFDB-215C-4120-ADCB-EAD745B7163E}" type="datetimeFigureOut">
               <a:rPr lang="en-US" smtClean="0"/>
-              <a:t>7/7/2021</a:t>
+              <a:t>7/9/2021</a:t>
             </a:fld>
             <a:endParaRPr lang="en-US"/>
           </a:p>
@@ -2245,7 +2248,7 @@
           <a:p>
             <a:fld id="{791F1524-C5FD-4370-8A10-5BE52A97A495}" type="slidenum">
               <a:rPr lang="en-US" smtClean="0"/>
-              <a:t>3</a:t>
+              <a:t>2</a:t>
             </a:fld>
             <a:endParaRPr lang="en-US"/>
           </a:p>
@@ -2254,7 +2257,7 @@
     </p:spTree>
     <p:extLst>
       <p:ext uri="{BB962C8B-B14F-4D97-AF65-F5344CB8AC3E}">
-        <p14:creationId xmlns:p14="http://schemas.microsoft.com/office/powerpoint/2010/main" val="2669578412"/>
+        <p14:creationId xmlns:p14="http://schemas.microsoft.com/office/powerpoint/2010/main" val="1973937096"/>
       </p:ext>
     </p:extLst>
   </p:cSld>
@@ -2329,7 +2332,7 @@
           <a:p>
             <a:fld id="{791F1524-C5FD-4370-8A10-5BE52A97A495}" type="slidenum">
               <a:rPr lang="en-US" smtClean="0"/>
-              <a:t>4</a:t>
+              <a:t>3</a:t>
             </a:fld>
             <a:endParaRPr lang="en-US"/>
           </a:p>
@@ -2338,7 +2341,7 @@
     </p:spTree>
     <p:extLst>
       <p:ext uri="{BB962C8B-B14F-4D97-AF65-F5344CB8AC3E}">
-        <p14:creationId xmlns:p14="http://schemas.microsoft.com/office/powerpoint/2010/main" val="3871265706"/>
+        <p14:creationId xmlns:p14="http://schemas.microsoft.com/office/powerpoint/2010/main" val="2669578412"/>
       </p:ext>
     </p:extLst>
   </p:cSld>
@@ -2392,10 +2395,7 @@
           <a:bodyPr/>
           <a:lstStyle/>
           <a:p>
-            <a:r>
-              <a:rPr lang="en-US" dirty="0"/>
-              <a:t>https://machinelearningmastery.com/how-to-improve-neural-network-stability-and-modeling-performance-with-data-scaling/</a:t>
-            </a:r>
+            <a:endParaRPr lang="en-US" dirty="0"/>
           </a:p>
         </p:txBody>
       </p:sp>
@@ -2416,7 +2416,7 @@
           <a:p>
             <a:fld id="{791F1524-C5FD-4370-8A10-5BE52A97A495}" type="slidenum">
               <a:rPr lang="en-US" smtClean="0"/>
-              <a:t>5</a:t>
+              <a:t>4</a:t>
             </a:fld>
             <a:endParaRPr lang="en-US"/>
           </a:p>
@@ -2425,7 +2425,7 @@
     </p:spTree>
     <p:extLst>
       <p:ext uri="{BB962C8B-B14F-4D97-AF65-F5344CB8AC3E}">
-        <p14:creationId xmlns:p14="http://schemas.microsoft.com/office/powerpoint/2010/main" val="2785161163"/>
+        <p14:creationId xmlns:p14="http://schemas.microsoft.com/office/powerpoint/2010/main" val="3871265706"/>
       </p:ext>
     </p:extLst>
   </p:cSld>
@@ -2479,6 +2479,180 @@
           <a:bodyPr/>
           <a:lstStyle/>
           <a:p>
+            <a:r>
+              <a:rPr lang="en-US" dirty="0"/>
+              <a:t>https://www.cybiant.com/resources/natural-language-processing/</a:t>
+            </a:r>
+          </a:p>
+        </p:txBody>
+      </p:sp>
+      <p:sp>
+        <p:nvSpPr>
+          <p:cNvPr id="4" name="Slide Number Placeholder 3"/>
+          <p:cNvSpPr>
+            <a:spLocks noGrp="1"/>
+          </p:cNvSpPr>
+          <p:nvPr>
+            <p:ph type="sldNum" sz="quarter" idx="5"/>
+          </p:nvPr>
+        </p:nvSpPr>
+        <p:spPr/>
+        <p:txBody>
+          <a:bodyPr/>
+          <a:lstStyle/>
+          <a:p>
+            <a:fld id="{791F1524-C5FD-4370-8A10-5BE52A97A495}" type="slidenum">
+              <a:rPr lang="en-US" smtClean="0"/>
+              <a:t>5</a:t>
+            </a:fld>
+            <a:endParaRPr lang="en-US"/>
+          </a:p>
+        </p:txBody>
+      </p:sp>
+    </p:spTree>
+    <p:extLst>
+      <p:ext uri="{BB962C8B-B14F-4D97-AF65-F5344CB8AC3E}">
+        <p14:creationId xmlns:p14="http://schemas.microsoft.com/office/powerpoint/2010/main" val="3501873598"/>
+      </p:ext>
+    </p:extLst>
+  </p:cSld>
+  <p:clrMapOvr>
+    <a:masterClrMapping/>
+  </p:clrMapOvr>
+</p:notes>
+</file>
+
+<file path=ppt/notesSlides/notesSlide6.xml><?xml version="1.0" encoding="utf-8"?>
+<p:notes xmlns:a="http://schemas.openxmlformats.org/drawingml/2006/main" xmlns:r="http://schemas.openxmlformats.org/officeDocument/2006/relationships" xmlns:p="http://schemas.openxmlformats.org/presentationml/2006/main">
+  <p:cSld>
+    <p:spTree>
+      <p:nvGrpSpPr>
+        <p:cNvPr id="1" name=""/>
+        <p:cNvGrpSpPr/>
+        <p:nvPr/>
+      </p:nvGrpSpPr>
+      <p:grpSpPr>
+        <a:xfrm>
+          <a:off x="0" y="0"/>
+          <a:ext cx="0" cy="0"/>
+          <a:chOff x="0" y="0"/>
+          <a:chExt cx="0" cy="0"/>
+        </a:xfrm>
+      </p:grpSpPr>
+      <p:sp>
+        <p:nvSpPr>
+          <p:cNvPr id="2" name="Slide Image Placeholder 1"/>
+          <p:cNvSpPr>
+            <a:spLocks noGrp="1" noRot="1" noChangeAspect="1"/>
+          </p:cNvSpPr>
+          <p:nvPr>
+            <p:ph type="sldImg"/>
+          </p:nvPr>
+        </p:nvSpPr>
+        <p:spPr/>
+      </p:sp>
+      <p:sp>
+        <p:nvSpPr>
+          <p:cNvPr id="3" name="Notes Placeholder 2"/>
+          <p:cNvSpPr>
+            <a:spLocks noGrp="1"/>
+          </p:cNvSpPr>
+          <p:nvPr>
+            <p:ph type="body" idx="1"/>
+          </p:nvPr>
+        </p:nvSpPr>
+        <p:spPr/>
+        <p:txBody>
+          <a:bodyPr/>
+          <a:lstStyle/>
+          <a:p>
+            <a:r>
+              <a:rPr lang="en-US" dirty="0"/>
+              <a:t>https://dev.to/grozail/my-first-map-reduce-without-hadoop-in-pure-python-40hg</a:t>
+            </a:r>
+          </a:p>
+        </p:txBody>
+      </p:sp>
+      <p:sp>
+        <p:nvSpPr>
+          <p:cNvPr id="4" name="Slide Number Placeholder 3"/>
+          <p:cNvSpPr>
+            <a:spLocks noGrp="1"/>
+          </p:cNvSpPr>
+          <p:nvPr>
+            <p:ph type="sldNum" sz="quarter" idx="5"/>
+          </p:nvPr>
+        </p:nvSpPr>
+        <p:spPr/>
+        <p:txBody>
+          <a:bodyPr/>
+          <a:lstStyle/>
+          <a:p>
+            <a:fld id="{791F1524-C5FD-4370-8A10-5BE52A97A495}" type="slidenum">
+              <a:rPr lang="en-US" smtClean="0"/>
+              <a:t>6</a:t>
+            </a:fld>
+            <a:endParaRPr lang="en-US"/>
+          </a:p>
+        </p:txBody>
+      </p:sp>
+    </p:spTree>
+    <p:extLst>
+      <p:ext uri="{BB962C8B-B14F-4D97-AF65-F5344CB8AC3E}">
+        <p14:creationId xmlns:p14="http://schemas.microsoft.com/office/powerpoint/2010/main" val="1483382814"/>
+      </p:ext>
+    </p:extLst>
+  </p:cSld>
+  <p:clrMapOvr>
+    <a:masterClrMapping/>
+  </p:clrMapOvr>
+</p:notes>
+</file>
+
+<file path=ppt/notesSlides/notesSlide7.xml><?xml version="1.0" encoding="utf-8"?>
+<p:notes xmlns:a="http://schemas.openxmlformats.org/drawingml/2006/main" xmlns:r="http://schemas.openxmlformats.org/officeDocument/2006/relationships" xmlns:p="http://schemas.openxmlformats.org/presentationml/2006/main">
+  <p:cSld>
+    <p:spTree>
+      <p:nvGrpSpPr>
+        <p:cNvPr id="1" name=""/>
+        <p:cNvGrpSpPr/>
+        <p:nvPr/>
+      </p:nvGrpSpPr>
+      <p:grpSpPr>
+        <a:xfrm>
+          <a:off x="0" y="0"/>
+          <a:ext cx="0" cy="0"/>
+          <a:chOff x="0" y="0"/>
+          <a:chExt cx="0" cy="0"/>
+        </a:xfrm>
+      </p:grpSpPr>
+      <p:sp>
+        <p:nvSpPr>
+          <p:cNvPr id="2" name="Slide Image Placeholder 1"/>
+          <p:cNvSpPr>
+            <a:spLocks noGrp="1" noRot="1" noChangeAspect="1"/>
+          </p:cNvSpPr>
+          <p:nvPr>
+            <p:ph type="sldImg"/>
+          </p:nvPr>
+        </p:nvSpPr>
+        <p:spPr/>
+      </p:sp>
+      <p:sp>
+        <p:nvSpPr>
+          <p:cNvPr id="3" name="Notes Placeholder 2"/>
+          <p:cNvSpPr>
+            <a:spLocks noGrp="1"/>
+          </p:cNvSpPr>
+          <p:nvPr>
+            <p:ph type="body" idx="1"/>
+          </p:nvPr>
+        </p:nvSpPr>
+        <p:spPr/>
+        <p:txBody>
+          <a:bodyPr/>
+          <a:lstStyle/>
+          <a:p>
             <a:endParaRPr lang="en-US" dirty="0"/>
           </a:p>
         </p:txBody>
@@ -2501,6 +2675,177 @@
             <a:fld id="{791F1524-C5FD-4370-8A10-5BE52A97A495}" type="slidenum">
               <a:rPr lang="en-US" smtClean="0"/>
               <a:t>7</a:t>
+            </a:fld>
+            <a:endParaRPr lang="en-US"/>
+          </a:p>
+        </p:txBody>
+      </p:sp>
+    </p:spTree>
+    <p:extLst>
+      <p:ext uri="{BB962C8B-B14F-4D97-AF65-F5344CB8AC3E}">
+        <p14:creationId xmlns:p14="http://schemas.microsoft.com/office/powerpoint/2010/main" val="1243192618"/>
+      </p:ext>
+    </p:extLst>
+  </p:cSld>
+  <p:clrMapOvr>
+    <a:masterClrMapping/>
+  </p:clrMapOvr>
+</p:notes>
+</file>
+
+<file path=ppt/notesSlides/notesSlide8.xml><?xml version="1.0" encoding="utf-8"?>
+<p:notes xmlns:a="http://schemas.openxmlformats.org/drawingml/2006/main" xmlns:r="http://schemas.openxmlformats.org/officeDocument/2006/relationships" xmlns:p="http://schemas.openxmlformats.org/presentationml/2006/main">
+  <p:cSld>
+    <p:spTree>
+      <p:nvGrpSpPr>
+        <p:cNvPr id="1" name=""/>
+        <p:cNvGrpSpPr/>
+        <p:nvPr/>
+      </p:nvGrpSpPr>
+      <p:grpSpPr>
+        <a:xfrm>
+          <a:off x="0" y="0"/>
+          <a:ext cx="0" cy="0"/>
+          <a:chOff x="0" y="0"/>
+          <a:chExt cx="0" cy="0"/>
+        </a:xfrm>
+      </p:grpSpPr>
+      <p:sp>
+        <p:nvSpPr>
+          <p:cNvPr id="2" name="Slide Image Placeholder 1"/>
+          <p:cNvSpPr>
+            <a:spLocks noGrp="1" noRot="1" noChangeAspect="1"/>
+          </p:cNvSpPr>
+          <p:nvPr>
+            <p:ph type="sldImg"/>
+          </p:nvPr>
+        </p:nvSpPr>
+        <p:spPr/>
+      </p:sp>
+      <p:sp>
+        <p:nvSpPr>
+          <p:cNvPr id="3" name="Notes Placeholder 2"/>
+          <p:cNvSpPr>
+            <a:spLocks noGrp="1"/>
+          </p:cNvSpPr>
+          <p:nvPr>
+            <p:ph type="body" idx="1"/>
+          </p:nvPr>
+        </p:nvSpPr>
+        <p:spPr/>
+        <p:txBody>
+          <a:bodyPr/>
+          <a:lstStyle/>
+          <a:p>
+            <a:r>
+              <a:rPr lang="en-US" dirty="0"/>
+              <a:t>https://nlp.stanford.edu/IR-book/html/htmledition/tokenization-1.html</a:t>
+            </a:r>
+          </a:p>
+        </p:txBody>
+      </p:sp>
+      <p:sp>
+        <p:nvSpPr>
+          <p:cNvPr id="4" name="Slide Number Placeholder 3"/>
+          <p:cNvSpPr>
+            <a:spLocks noGrp="1"/>
+          </p:cNvSpPr>
+          <p:nvPr>
+            <p:ph type="sldNum" sz="quarter" idx="5"/>
+          </p:nvPr>
+        </p:nvSpPr>
+        <p:spPr/>
+        <p:txBody>
+          <a:bodyPr/>
+          <a:lstStyle/>
+          <a:p>
+            <a:fld id="{791F1524-C5FD-4370-8A10-5BE52A97A495}" type="slidenum">
+              <a:rPr lang="en-US" smtClean="0"/>
+              <a:t>8</a:t>
+            </a:fld>
+            <a:endParaRPr lang="en-US"/>
+          </a:p>
+        </p:txBody>
+      </p:sp>
+    </p:spTree>
+    <p:extLst>
+      <p:ext uri="{BB962C8B-B14F-4D97-AF65-F5344CB8AC3E}">
+        <p14:creationId xmlns:p14="http://schemas.microsoft.com/office/powerpoint/2010/main" val="2785161163"/>
+      </p:ext>
+    </p:extLst>
+  </p:cSld>
+  <p:clrMapOvr>
+    <a:masterClrMapping/>
+  </p:clrMapOvr>
+</p:notes>
+</file>
+
+<file path=ppt/notesSlides/notesSlide9.xml><?xml version="1.0" encoding="utf-8"?>
+<p:notes xmlns:a="http://schemas.openxmlformats.org/drawingml/2006/main" xmlns:r="http://schemas.openxmlformats.org/officeDocument/2006/relationships" xmlns:p="http://schemas.openxmlformats.org/presentationml/2006/main">
+  <p:cSld>
+    <p:spTree>
+      <p:nvGrpSpPr>
+        <p:cNvPr id="1" name=""/>
+        <p:cNvGrpSpPr/>
+        <p:nvPr/>
+      </p:nvGrpSpPr>
+      <p:grpSpPr>
+        <a:xfrm>
+          <a:off x="0" y="0"/>
+          <a:ext cx="0" cy="0"/>
+          <a:chOff x="0" y="0"/>
+          <a:chExt cx="0" cy="0"/>
+        </a:xfrm>
+      </p:grpSpPr>
+      <p:sp>
+        <p:nvSpPr>
+          <p:cNvPr id="2" name="Slide Image Placeholder 1"/>
+          <p:cNvSpPr>
+            <a:spLocks noGrp="1" noRot="1" noChangeAspect="1"/>
+          </p:cNvSpPr>
+          <p:nvPr>
+            <p:ph type="sldImg"/>
+          </p:nvPr>
+        </p:nvSpPr>
+        <p:spPr/>
+      </p:sp>
+      <p:sp>
+        <p:nvSpPr>
+          <p:cNvPr id="3" name="Notes Placeholder 2"/>
+          <p:cNvSpPr>
+            <a:spLocks noGrp="1"/>
+          </p:cNvSpPr>
+          <p:nvPr>
+            <p:ph type="body" idx="1"/>
+          </p:nvPr>
+        </p:nvSpPr>
+        <p:spPr/>
+        <p:txBody>
+          <a:bodyPr/>
+          <a:lstStyle/>
+          <a:p>
+            <a:endParaRPr lang="en-US" dirty="0"/>
+          </a:p>
+        </p:txBody>
+      </p:sp>
+      <p:sp>
+        <p:nvSpPr>
+          <p:cNvPr id="4" name="Slide Number Placeholder 3"/>
+          <p:cNvSpPr>
+            <a:spLocks noGrp="1"/>
+          </p:cNvSpPr>
+          <p:nvPr>
+            <p:ph type="sldNum" sz="quarter" idx="5"/>
+          </p:nvPr>
+        </p:nvSpPr>
+        <p:spPr/>
+        <p:txBody>
+          <a:bodyPr/>
+          <a:lstStyle/>
+          <a:p>
+            <a:fld id="{791F1524-C5FD-4370-8A10-5BE52A97A495}" type="slidenum">
+              <a:rPr lang="en-US" smtClean="0"/>
+              <a:t>10</a:t>
             </a:fld>
             <a:endParaRPr lang="en-US"/>
           </a:p>
@@ -2713,7 +3058,7 @@
           <a:p>
             <a:fld id="{ACF1A1B0-862D-4909-A7DB-D8ADA062DFCA}" type="datetimeFigureOut">
               <a:rPr lang="en-US" dirty="0"/>
-              <a:t>7/7/2021</a:t>
+              <a:t>7/9/2021</a:t>
             </a:fld>
             <a:endParaRPr lang="en-US"/>
           </a:p>
@@ -2936,7 +3281,7 @@
           <a:p>
             <a:fld id="{7B156144-9CB7-4E3A-B87E-A382F9BE05EF}" type="datetimeFigureOut">
               <a:rPr lang="en-US" dirty="0"/>
-              <a:t>7/7/2021</a:t>
+              <a:t>7/9/2021</a:t>
             </a:fld>
             <a:endParaRPr lang="en-US"/>
           </a:p>
@@ -3114,7 +3459,7 @@
           <a:p>
             <a:fld id="{2643D55F-46AB-4791-9172-4FA8DD3A6A9C}" type="datetimeFigureOut">
               <a:rPr lang="en-US" dirty="0"/>
-              <a:t>7/7/2021</a:t>
+              <a:t>7/9/2021</a:t>
             </a:fld>
             <a:endParaRPr lang="en-US"/>
           </a:p>
@@ -3282,7 +3627,7 @@
           <a:p>
             <a:fld id="{58026881-8A08-449C-8D73-E5F201F814C1}" type="datetimeFigureOut">
               <a:rPr lang="en-US" dirty="0"/>
-              <a:t>7/7/2021</a:t>
+              <a:t>7/9/2021</a:t>
             </a:fld>
             <a:endParaRPr lang="en-US"/>
           </a:p>
@@ -3572,7 +3917,7 @@
           <a:p>
             <a:fld id="{1BEB5A5E-0C07-4E93-A112-D37B4D166B30}" type="datetimeFigureOut">
               <a:rPr lang="en-US" dirty="0"/>
-              <a:t>7/7/2021</a:t>
+              <a:t>7/9/2021</a:t>
             </a:fld>
             <a:endParaRPr lang="en-US"/>
           </a:p>
@@ -3895,7 +4240,7 @@
           <a:p>
             <a:fld id="{9E1F71C5-DC57-4358-A1EA-30C08AF6E3C5}" type="datetimeFigureOut">
               <a:rPr lang="en-US" dirty="0"/>
-              <a:t>7/7/2021</a:t>
+              <a:t>7/9/2021</a:t>
             </a:fld>
             <a:endParaRPr lang="en-US"/>
           </a:p>
@@ -4304,7 +4649,7 @@
           <a:p>
             <a:fld id="{12571DBA-DE60-4731-B773-47AAA185C143}" type="datetimeFigureOut">
               <a:rPr lang="en-US" dirty="0"/>
-              <a:t>7/7/2021</a:t>
+              <a:t>7/9/2021</a:t>
             </a:fld>
             <a:endParaRPr lang="en-US"/>
           </a:p>
@@ -4421,7 +4766,7 @@
           <a:p>
             <a:fld id="{4F170639-886C-4FCF-9EAB-ABB5DA3F3F4A}" type="datetimeFigureOut">
               <a:rPr lang="en-US" dirty="0"/>
-              <a:t>7/7/2021</a:t>
+              <a:t>7/9/2021</a:t>
             </a:fld>
             <a:endParaRPr lang="en-US"/>
           </a:p>
@@ -4516,7 +4861,7 @@
           <a:p>
             <a:fld id="{34C4A628-C83B-4C66-83F4-1711CE3738FD}" type="datetimeFigureOut">
               <a:rPr lang="en-US" dirty="0"/>
-              <a:t>7/7/2021</a:t>
+              <a:t>7/9/2021</a:t>
             </a:fld>
             <a:endParaRPr lang="en-US"/>
           </a:p>
@@ -4801,7 +5146,7 @@
           <a:p>
             <a:fld id="{B88C1D73-9400-43CA-A37F-F9B7D00DE14C}" type="datetimeFigureOut">
               <a:rPr lang="en-US" dirty="0"/>
-              <a:t>7/7/2021</a:t>
+              <a:t>7/9/2021</a:t>
             </a:fld>
             <a:endParaRPr lang="en-US"/>
           </a:p>
@@ -5073,7 +5418,7 @@
           <a:p>
             <a:fld id="{188B7711-B905-4633-B4D7-6F3A49A2E7D9}" type="datetimeFigureOut">
               <a:rPr lang="en-US" dirty="0"/>
-              <a:t>7/7/2021</a:t>
+              <a:t>7/9/2021</a:t>
             </a:fld>
             <a:endParaRPr lang="en-US"/>
           </a:p>
@@ -5323,7 +5668,7 @@
             <a:fld id="{89C235CF-BDA2-4E7E-8BBD-350479985E74}" type="datetimeFigureOut">
               <a:rPr lang="en-US" dirty="0"/>
               <a:pPr/>
-              <a:t>7/7/2021</a:t>
+              <a:t>7/9/2021</a:t>
             </a:fld>
             <a:endParaRPr lang="en-US"/>
           </a:p>
@@ -5867,6 +6212,106 @@
 </p:sld>
 </file>
 
+<file path=ppt/slides/slide10.xml><?xml version="1.0" encoding="utf-8"?>
+<p:sld xmlns:a="http://schemas.openxmlformats.org/drawingml/2006/main" xmlns:r="http://schemas.openxmlformats.org/officeDocument/2006/relationships" xmlns:p="http://schemas.openxmlformats.org/presentationml/2006/main">
+  <p:cSld>
+    <p:spTree>
+      <p:nvGrpSpPr>
+        <p:cNvPr id="1" name=""/>
+        <p:cNvGrpSpPr/>
+        <p:nvPr/>
+      </p:nvGrpSpPr>
+      <p:grpSpPr>
+        <a:xfrm>
+          <a:off x="0" y="0"/>
+          <a:ext cx="0" cy="0"/>
+          <a:chOff x="0" y="0"/>
+          <a:chExt cx="0" cy="0"/>
+        </a:xfrm>
+      </p:grpSpPr>
+      <p:sp>
+        <p:nvSpPr>
+          <p:cNvPr id="2" name="Title 1">
+            <a:extLst>
+              <a:ext uri="{FF2B5EF4-FFF2-40B4-BE49-F238E27FC236}">
+                <a16:creationId xmlns:a16="http://schemas.microsoft.com/office/drawing/2014/main" id="{1E4C2A9E-C0F4-4E0F-AFFE-27A0CF3625B5}"/>
+              </a:ext>
+            </a:extLst>
+          </p:cNvPr>
+          <p:cNvSpPr>
+            <a:spLocks noGrp="1"/>
+          </p:cNvSpPr>
+          <p:nvPr>
+            <p:ph type="title"/>
+          </p:nvPr>
+        </p:nvSpPr>
+        <p:spPr/>
+        <p:txBody>
+          <a:bodyPr/>
+          <a:lstStyle/>
+          <a:p>
+            <a:r>
+              <a:rPr lang="en-US"/>
+              <a:t>Week 20 </a:t>
+            </a:r>
+            <a:r>
+              <a:rPr lang="en-US" dirty="0"/>
+              <a:t>Group Exercise</a:t>
+            </a:r>
+          </a:p>
+        </p:txBody>
+      </p:sp>
+      <p:sp>
+        <p:nvSpPr>
+          <p:cNvPr id="3" name="Content Placeholder 2">
+            <a:extLst>
+              <a:ext uri="{FF2B5EF4-FFF2-40B4-BE49-F238E27FC236}">
+                <a16:creationId xmlns:a16="http://schemas.microsoft.com/office/drawing/2014/main" id="{D327E97E-AE1B-400B-A18F-C9C7C854DCEB}"/>
+              </a:ext>
+            </a:extLst>
+          </p:cNvPr>
+          <p:cNvSpPr>
+            <a:spLocks noGrp="1"/>
+          </p:cNvSpPr>
+          <p:nvPr>
+            <p:ph idx="1"/>
+          </p:nvPr>
+        </p:nvSpPr>
+        <p:spPr/>
+        <p:txBody>
+          <a:bodyPr vert="horz" lIns="91440" tIns="45720" rIns="91440" bIns="45720" rtlCol="0" anchor="t">
+            <a:normAutofit/>
+          </a:bodyPr>
+          <a:lstStyle/>
+          <a:p>
+            <a:r>
+              <a:rPr lang="en-US" spc="0" dirty="0"/>
+              <a:t>Once you finish and have submitted your exercise in Canvas via a </a:t>
+            </a:r>
+            <a:r>
+              <a:rPr lang="en-US" spc="0" dirty="0" err="1"/>
+              <a:t>github</a:t>
+            </a:r>
+            <a:r>
+              <a:rPr lang="en-US" spc="0" dirty="0"/>
+              <a:t> link, use the remaining time to work on your homework.</a:t>
+            </a:r>
+          </a:p>
+        </p:txBody>
+      </p:sp>
+    </p:spTree>
+    <p:extLst>
+      <p:ext uri="{BB962C8B-B14F-4D97-AF65-F5344CB8AC3E}">
+        <p14:creationId xmlns:p14="http://schemas.microsoft.com/office/powerpoint/2010/main" val="656484464"/>
+      </p:ext>
+    </p:extLst>
+  </p:cSld>
+  <p:clrMapOvr>
+    <a:masterClrMapping/>
+  </p:clrMapOvr>
+</p:sld>
+</file>
+
 <file path=ppt/slides/slide2.xml><?xml version="1.0" encoding="utf-8"?>
 <p:sld xmlns:a="http://schemas.openxmlformats.org/drawingml/2006/main" xmlns:r="http://schemas.openxmlformats.org/officeDocument/2006/relationships" xmlns:p="http://schemas.openxmlformats.org/presentationml/2006/main">
   <p:cSld>
@@ -5938,10 +6383,34 @@
           <a:bodyPr/>
           <a:lstStyle/>
           <a:p>
+            <a:pPr marL="0" indent="0">
+              <a:buNone/>
+            </a:pPr>
+            <a:r>
+              <a:rPr lang="en-US" dirty="0"/>
+              <a:t>How do you avoid overfitting your model? </a:t>
+            </a:r>
+          </a:p>
+          <a:p>
+            <a:pPr marL="0" indent="0">
+              <a:buNone/>
+            </a:pPr>
             <a:endParaRPr lang="en-US" dirty="0"/>
           </a:p>
           <a:p>
+            <a:pPr marL="0" indent="0">
+              <a:buNone/>
+            </a:pPr>
             <a:endParaRPr lang="en-US" dirty="0"/>
+          </a:p>
+          <a:p>
+            <a:pPr marL="0" indent="0">
+              <a:buNone/>
+            </a:pPr>
+            <a:r>
+              <a:rPr lang="en-US" dirty="0"/>
+              <a:t>What is the difference between univariate, bivariate, and multivariate analysis?</a:t>
+            </a:r>
           </a:p>
           <a:p>
             <a:endParaRPr lang="en-US" dirty="0"/>
@@ -6059,13 +6528,13 @@
           <a:p>
             <a:r>
               <a:rPr lang="en-US" dirty="0"/>
+              <a:t>Natural Language Processing (20 mins)</a:t>
+            </a:r>
+          </a:p>
+          <a:p>
+            <a:r>
+              <a:rPr lang="en-US" dirty="0"/>
               <a:t>Tokenization (15 mins)</a:t>
-            </a:r>
-          </a:p>
-          <a:p>
-            <a:r>
-              <a:rPr lang="en-US" dirty="0"/>
-              <a:t>Natural Language Processing (25 mins)</a:t>
             </a:r>
           </a:p>
           <a:p>
@@ -6076,12 +6545,8 @@
           </a:p>
           <a:p>
             <a:r>
-              <a:rPr lang="en-US"/>
-              <a:t>More NLP (</a:t>
-            </a:r>
-            <a:r>
               <a:rPr lang="en-US" dirty="0"/>
-              <a:t>20 mins)</a:t>
+              <a:t>More NLP (25 mins)</a:t>
             </a:r>
           </a:p>
           <a:p>
@@ -6359,6 +6824,14 @@
 <file path=ppt/slides/slide5.xml><?xml version="1.0" encoding="utf-8"?>
 <p:sld xmlns:a="http://schemas.openxmlformats.org/drawingml/2006/main" xmlns:r="http://schemas.openxmlformats.org/officeDocument/2006/relationships" xmlns:p="http://schemas.openxmlformats.org/presentationml/2006/main">
   <p:cSld>
+    <p:bg>
+      <p:bgPr>
+        <a:solidFill>
+          <a:schemeClr val="bg1"/>
+        </a:solidFill>
+        <a:effectLst/>
+      </p:bgPr>
+    </p:bg>
     <p:spTree>
       <p:nvGrpSpPr>
         <p:cNvPr id="1" name=""/>
@@ -6378,7 +6851,7 @@
           <p:cNvPr id="2" name="Title 1">
             <a:extLst>
               <a:ext uri="{FF2B5EF4-FFF2-40B4-BE49-F238E27FC236}">
-                <a16:creationId xmlns:a16="http://schemas.microsoft.com/office/drawing/2014/main" id="{A53E70D1-6185-471B-8D89-F3488E80B802}"/>
+                <a16:creationId xmlns:a16="http://schemas.microsoft.com/office/drawing/2014/main" id="{4F0ECA85-31E6-45A4-929E-5069A3CD4DE4}"/>
               </a:ext>
             </a:extLst>
           </p:cNvPr>
@@ -6389,24 +6862,61 @@
             <p:ph type="title"/>
           </p:nvPr>
         </p:nvSpPr>
-        <p:spPr/>
-        <p:txBody>
-          <a:bodyPr/>
+        <p:spPr>
+          <a:xfrm>
+            <a:off x="7878675" y="640080"/>
+            <a:ext cx="3075836" cy="1325562"/>
+          </a:xfrm>
+        </p:spPr>
+        <p:txBody>
+          <a:bodyPr>
+            <a:normAutofit/>
+          </a:bodyPr>
           <a:lstStyle/>
           <a:p>
             <a:r>
-              <a:rPr lang="en-US" dirty="0"/>
-              <a:t>Questions from Reading</a:t>
-            </a:r>
-          </a:p>
-        </p:txBody>
-      </p:sp>
+              <a:rPr lang="en-US" sz="2700"/>
+              <a:t>Natural Language Processing</a:t>
+            </a:r>
+          </a:p>
+        </p:txBody>
+      </p:sp>
+      <p:pic>
+        <p:nvPicPr>
+          <p:cNvPr id="5" name="Picture 4">
+            <a:extLst>
+              <a:ext uri="{FF2B5EF4-FFF2-40B4-BE49-F238E27FC236}">
+                <a16:creationId xmlns:a16="http://schemas.microsoft.com/office/drawing/2014/main" id="{CF457C5C-298E-455D-A271-767C781BA0F5}"/>
+              </a:ext>
+            </a:extLst>
+          </p:cNvPr>
+          <p:cNvPicPr>
+            <a:picLocks noChangeAspect="1"/>
+          </p:cNvPicPr>
+          <p:nvPr/>
+        </p:nvPicPr>
+        <p:blipFill>
+          <a:blip r:embed="rId3"/>
+          <a:stretch>
+            <a:fillRect/>
+          </a:stretch>
+        </p:blipFill>
+        <p:spPr>
+          <a:xfrm>
+            <a:off x="633998" y="1702379"/>
+            <a:ext cx="6927007" cy="3463503"/>
+          </a:xfrm>
+          <a:prstGeom prst="rect">
+            <a:avLst/>
+          </a:prstGeom>
+        </p:spPr>
+      </p:pic>
       <p:sp>
         <p:nvSpPr>
           <p:cNvPr id="3" name="Content Placeholder 2">
             <a:extLst>
               <a:ext uri="{FF2B5EF4-FFF2-40B4-BE49-F238E27FC236}">
-                <a16:creationId xmlns:a16="http://schemas.microsoft.com/office/drawing/2014/main" id="{6EEF27E4-79B6-4919-8718-E7D52A39F8DC}"/>
+                <a16:creationId xmlns:a16="http://schemas.microsoft.com/office/drawing/2014/main" id="{3EE3D14E-4BBA-41E0-AC75-011E586BC152}"/>
               </a:ext>
             </a:extLst>
           </p:cNvPr>
@@ -6417,26 +6927,33 @@
             <p:ph idx="1"/>
           </p:nvPr>
         </p:nvSpPr>
-        <p:spPr/>
-        <p:txBody>
-          <a:bodyPr/>
+        <p:spPr>
+          <a:xfrm>
+            <a:off x="7878675" y="1936955"/>
+            <a:ext cx="3075836" cy="4243182"/>
+          </a:xfrm>
+        </p:spPr>
+        <p:txBody>
+          <a:bodyPr>
+            <a:normAutofit/>
+          </a:bodyPr>
           <a:lstStyle/>
           <a:p>
-            <a:pPr marL="342900" indent="-342900">
-              <a:buAutoNum type="arabicPeriod"/>
-            </a:pPr>
-            <a:r>
-              <a:rPr lang="en-US" dirty="0"/>
-              <a:t>What is a multilayer perceptron?</a:t>
-            </a:r>
-          </a:p>
-          <a:p>
-            <a:pPr marL="342900" indent="-342900">
-              <a:buAutoNum type="arabicPeriod"/>
-            </a:pPr>
-            <a:r>
-              <a:rPr lang="en-US" dirty="0"/>
-              <a:t>Which approach to improving model stability was the most successful for the example in the reading? Why do you think that was?</a:t>
+            <a:r>
+              <a:rPr lang="en-US" sz="1600"/>
+              <a:t>Taking information in natural language text and processing it with code to learn more. AKA Computational Linguistics</a:t>
+            </a:r>
+          </a:p>
+          <a:p>
+            <a:r>
+              <a:rPr lang="en-US" sz="1600"/>
+              <a:t>This discipline takes programming concepts and applies them to linguistics</a:t>
+            </a:r>
+          </a:p>
+          <a:p>
+            <a:r>
+              <a:rPr lang="en-US" sz="1600"/>
+              <a:t>Process of teaching computers our language </a:t>
             </a:r>
           </a:p>
         </p:txBody>
@@ -6444,7 +6961,7 @@
     </p:spTree>
     <p:extLst>
       <p:ext uri="{BB962C8B-B14F-4D97-AF65-F5344CB8AC3E}">
-        <p14:creationId xmlns:p14="http://schemas.microsoft.com/office/powerpoint/2010/main" val="4147735644"/>
+        <p14:creationId xmlns:p14="http://schemas.microsoft.com/office/powerpoint/2010/main" val="2488426344"/>
       </p:ext>
     </p:extLst>
   </p:cSld>
@@ -6457,6 +6974,14 @@
 <file path=ppt/slides/slide6.xml><?xml version="1.0" encoding="utf-8"?>
 <p:sld xmlns:a="http://schemas.openxmlformats.org/drawingml/2006/main" xmlns:r="http://schemas.openxmlformats.org/officeDocument/2006/relationships" xmlns:p="http://schemas.openxmlformats.org/presentationml/2006/main">
   <p:cSld>
+    <p:bg>
+      <p:bgPr>
+        <a:solidFill>
+          <a:schemeClr val="bg1"/>
+        </a:solidFill>
+        <a:effectLst/>
+      </p:bgPr>
+    </p:bg>
     <p:spTree>
       <p:nvGrpSpPr>
         <p:cNvPr id="1" name=""/>
@@ -6473,10 +6998,10 @@
       </p:grpSpPr>
       <p:sp>
         <p:nvSpPr>
-          <p:cNvPr id="4" name="Title 3">
+          <p:cNvPr id="2" name="Title 1">
             <a:extLst>
               <a:ext uri="{FF2B5EF4-FFF2-40B4-BE49-F238E27FC236}">
-                <a16:creationId xmlns:a16="http://schemas.microsoft.com/office/drawing/2014/main" id="{297BDE90-8DCF-4039-AB05-11C3F09C3813}"/>
+                <a16:creationId xmlns:a16="http://schemas.microsoft.com/office/drawing/2014/main" id="{29AB2EAD-CD50-4E74-B4BB-36415D47E7C0}"/>
               </a:ext>
             </a:extLst>
           </p:cNvPr>
@@ -6484,27 +7009,34 @@
             <a:spLocks noGrp="1"/>
           </p:cNvSpPr>
           <p:nvPr>
-            <p:ph type="ctrTitle"/>
-          </p:nvPr>
-        </p:nvSpPr>
-        <p:spPr/>
-        <p:txBody>
-          <a:bodyPr/>
+            <p:ph type="title"/>
+          </p:nvPr>
+        </p:nvSpPr>
+        <p:spPr>
+          <a:xfrm>
+            <a:off x="1261872" y="365760"/>
+            <a:ext cx="9692640" cy="1325562"/>
+          </a:xfrm>
+        </p:spPr>
+        <p:txBody>
+          <a:bodyPr>
+            <a:normAutofit/>
+          </a:bodyPr>
           <a:lstStyle/>
           <a:p>
             <a:r>
               <a:rPr lang="en-US" dirty="0"/>
-              <a:t>Break (15 Minutes)</a:t>
-            </a:r>
-          </a:p>
-        </p:txBody>
-      </p:sp>
-      <p:sp>
-        <p:nvSpPr>
-          <p:cNvPr id="5" name="Subtitle 4">
+              <a:t>Map Reduce</a:t>
+            </a:r>
+          </a:p>
+        </p:txBody>
+      </p:sp>
+      <p:sp>
+        <p:nvSpPr>
+          <p:cNvPr id="3" name="Content Placeholder 2">
             <a:extLst>
               <a:ext uri="{FF2B5EF4-FFF2-40B4-BE49-F238E27FC236}">
-                <a16:creationId xmlns:a16="http://schemas.microsoft.com/office/drawing/2014/main" id="{AE43AD4D-53BE-4D90-B4EE-A313556AC5A9}"/>
+                <a16:creationId xmlns:a16="http://schemas.microsoft.com/office/drawing/2014/main" id="{62B62650-EA86-49EC-8935-B39359797C07}"/>
               </a:ext>
             </a:extLst>
           </p:cNvPr>
@@ -6512,56 +7044,92 @@
             <a:spLocks noGrp="1"/>
           </p:cNvSpPr>
           <p:nvPr>
-            <p:ph type="subTitle" idx="1"/>
-          </p:nvPr>
-        </p:nvSpPr>
-        <p:spPr/>
-        <p:txBody>
-          <a:bodyPr/>
+            <p:ph idx="1"/>
+          </p:nvPr>
+        </p:nvSpPr>
+        <p:spPr>
+          <a:xfrm>
+            <a:off x="1261872" y="1828800"/>
+            <a:ext cx="2956342" cy="4351337"/>
+          </a:xfrm>
+        </p:spPr>
+        <p:txBody>
+          <a:bodyPr>
+            <a:normAutofit/>
+          </a:bodyPr>
           <a:lstStyle/>
           <a:p>
             <a:r>
               <a:rPr lang="en-US" dirty="0"/>
-              <a:t>Attendance </a:t>
-            </a:r>
-            <a:r>
-              <a:rPr lang="en-US" dirty="0" err="1"/>
-              <a:t>word:</a:t>
-            </a:r>
-            <a:r>
-              <a:rPr lang="en-US" b="0" i="0" dirty="0" err="1">
+              <a:t>Data processing paradigm for taking large volumes of data and condensing it into aggregate results</a:t>
+            </a:r>
+          </a:p>
+          <a:p>
+            <a:r>
+              <a:rPr lang="en-US" dirty="0"/>
+              <a:t>One way we can find out the total number of times a value exists in a block of text</a:t>
+            </a:r>
+          </a:p>
+          <a:p>
+            <a:pPr lvl="1"/>
+            <a:r>
+              <a:rPr lang="en-US" dirty="0"/>
+              <a:t>We can then infer the focus of the text</a:t>
+            </a:r>
+          </a:p>
+        </p:txBody>
+      </p:sp>
+      <p:pic>
+        <p:nvPicPr>
+          <p:cNvPr id="1026" name="Picture 2" descr="Cover image for My first Map Reduce without Hadoop in pure python">
+            <a:extLst>
+              <a:ext uri="{FF2B5EF4-FFF2-40B4-BE49-F238E27FC236}">
+                <a16:creationId xmlns:a16="http://schemas.microsoft.com/office/drawing/2014/main" id="{FA75D03B-ADEB-4420-8FC7-66D59C3CAD73}"/>
+              </a:ext>
+            </a:extLst>
+          </p:cNvPr>
+          <p:cNvPicPr>
+            <a:picLocks noChangeAspect="1" noChangeArrowheads="1"/>
+          </p:cNvPicPr>
+          <p:nvPr/>
+        </p:nvPicPr>
+        <p:blipFill>
+          <a:blip r:embed="rId3">
+            <a:extLst>
+              <a:ext uri="{28A0092B-C50C-407E-A947-70E740481C1C}">
+                <a14:useLocalDpi xmlns:a14="http://schemas.microsoft.com/office/drawing/2010/main" val="0"/>
+              </a:ext>
+            </a:extLst>
+          </a:blip>
+          <a:srcRect/>
+          <a:stretch>
+            <a:fillRect/>
+          </a:stretch>
+        </p:blipFill>
+        <p:spPr bwMode="auto">
+          <a:xfrm>
+            <a:off x="4218214" y="1828800"/>
+            <a:ext cx="7820329" cy="3284538"/>
+          </a:xfrm>
+          <a:prstGeom prst="rect">
+            <a:avLst/>
+          </a:prstGeom>
+          <a:noFill/>
+          <a:extLst>
+            <a:ext uri="{909E8E84-426E-40DD-AFC4-6F175D3DCCD1}">
+              <a14:hiddenFill xmlns:a14="http://schemas.microsoft.com/office/drawing/2010/main">
                 <a:solidFill>
-                  <a:schemeClr val="tx1"/>
+                  <a:srgbClr val="FFFFFF"/>
                 </a:solidFill>
-                <a:effectLst/>
-                <a:latin typeface="Slack-Lato"/>
-              </a:rPr>
-              <a:t>CSSConjurer</a:t>
-            </a:r>
-            <a:r>
-              <a:rPr lang="en-US" b="0" i="0" dirty="0">
-                <a:solidFill>
-                  <a:srgbClr val="1D1C1D"/>
-                </a:solidFill>
-                <a:effectLst/>
-                <a:latin typeface="Slack-Lato"/>
-              </a:rPr>
-              <a:t> </a:t>
-            </a:r>
-            <a:endParaRPr lang="en-US" dirty="0">
-              <a:solidFill>
-                <a:schemeClr val="tx1">
-                  <a:lumMod val="95000"/>
-                </a:schemeClr>
-              </a:solidFill>
-            </a:endParaRPr>
-          </a:p>
-        </p:txBody>
-      </p:sp>
+              </a14:hiddenFill>
+            </a:ext>
+          </a:extLst>
+        </p:spPr>
+      </p:pic>
     </p:spTree>
     <p:extLst>
       <p:ext uri="{BB962C8B-B14F-4D97-AF65-F5344CB8AC3E}">
-        <p14:creationId xmlns:p14="http://schemas.microsoft.com/office/powerpoint/2010/main" val="2787214284"/>
+        <p14:creationId xmlns:p14="http://schemas.microsoft.com/office/powerpoint/2010/main" val="1034373719"/>
       </p:ext>
     </p:extLst>
   </p:cSld>
@@ -6593,7 +7161,7 @@
           <p:cNvPr id="2" name="Title 1">
             <a:extLst>
               <a:ext uri="{FF2B5EF4-FFF2-40B4-BE49-F238E27FC236}">
-                <a16:creationId xmlns:a16="http://schemas.microsoft.com/office/drawing/2014/main" id="{1E4C2A9E-C0F4-4E0F-AFFE-27A0CF3625B5}"/>
+                <a16:creationId xmlns:a16="http://schemas.microsoft.com/office/drawing/2014/main" id="{3712827A-ACAD-41DC-A736-927DAA71913C}"/>
               </a:ext>
             </a:extLst>
           </p:cNvPr>
@@ -6610,12 +7178,8 @@
           <a:lstStyle/>
           <a:p>
             <a:r>
-              <a:rPr lang="en-US"/>
-              <a:t>Week 20 </a:t>
-            </a:r>
-            <a:r>
               <a:rPr lang="en-US" dirty="0"/>
-              <a:t>Group Exercise</a:t>
+              <a:t>Steps in Comprehensive NLP System</a:t>
             </a:r>
           </a:p>
         </p:txBody>
@@ -6625,7 +7189,7 @@
           <p:cNvPr id="3" name="Content Placeholder 2">
             <a:extLst>
               <a:ext uri="{FF2B5EF4-FFF2-40B4-BE49-F238E27FC236}">
-                <a16:creationId xmlns:a16="http://schemas.microsoft.com/office/drawing/2014/main" id="{D327E97E-AE1B-400B-A18F-C9C7C854DCEB}"/>
+                <a16:creationId xmlns:a16="http://schemas.microsoft.com/office/drawing/2014/main" id="{8954F14B-AA69-4AFD-BDFB-1F9A19BA8772}"/>
               </a:ext>
             </a:extLst>
           </p:cNvPr>
@@ -6638,22 +7202,42 @@
         </p:nvSpPr>
         <p:spPr/>
         <p:txBody>
-          <a:bodyPr vert="horz" lIns="91440" tIns="45720" rIns="91440" bIns="45720" rtlCol="0" anchor="t">
-            <a:normAutofit/>
-          </a:bodyPr>
+          <a:bodyPr/>
           <a:lstStyle/>
           <a:p>
             <a:r>
-              <a:rPr lang="en-US" spc="0" dirty="0"/>
-              <a:t>Once you finish and have submitted your exercise in Canvas via a </a:t>
-            </a:r>
-            <a:r>
-              <a:rPr lang="en-US" spc="0" dirty="0" err="1"/>
-              <a:t>github</a:t>
-            </a:r>
-            <a:r>
-              <a:rPr lang="en-US" spc="0" dirty="0"/>
-              <a:t> link, use the remaining time to work on your homework.</a:t>
+              <a:rPr lang="en-US" dirty="0"/>
+              <a:t>Tokenization – separating text into smaller tokens that can be analyzed.</a:t>
+            </a:r>
+          </a:p>
+          <a:p>
+            <a:r>
+              <a:rPr lang="en-US" dirty="0"/>
+              <a:t>Morphological Analysis – word formation </a:t>
+            </a:r>
+          </a:p>
+          <a:p>
+            <a:r>
+              <a:rPr lang="en-US" dirty="0"/>
+              <a:t>Syntactic Analysis – sentence structure</a:t>
+            </a:r>
+          </a:p>
+          <a:p>
+            <a:r>
+              <a:rPr lang="en-US" dirty="0"/>
+              <a:t>Semantic Analysis – meaning </a:t>
+            </a:r>
+          </a:p>
+          <a:p>
+            <a:r>
+              <a:rPr lang="en-US" dirty="0"/>
+              <a:t>Pragmatic Analysis – understanding </a:t>
+            </a:r>
+          </a:p>
+          <a:p>
+            <a:r>
+              <a:rPr lang="en-US" dirty="0"/>
+              <a:t>Natural language generation – perhaps surprisingly, this is not as hard as understanding language</a:t>
             </a:r>
           </a:p>
         </p:txBody>
@@ -6661,7 +7245,222 @@
     </p:spTree>
     <p:extLst>
       <p:ext uri="{BB962C8B-B14F-4D97-AF65-F5344CB8AC3E}">
-        <p14:creationId xmlns:p14="http://schemas.microsoft.com/office/powerpoint/2010/main" val="656484464"/>
+        <p14:creationId xmlns:p14="http://schemas.microsoft.com/office/powerpoint/2010/main" val="1163237676"/>
+      </p:ext>
+    </p:extLst>
+  </p:cSld>
+  <p:clrMapOvr>
+    <a:masterClrMapping/>
+  </p:clrMapOvr>
+</p:sld>
+</file>
+
+<file path=ppt/slides/slide8.xml><?xml version="1.0" encoding="utf-8"?>
+<p:sld xmlns:a="http://schemas.openxmlformats.org/drawingml/2006/main" xmlns:r="http://schemas.openxmlformats.org/officeDocument/2006/relationships" xmlns:p="http://schemas.openxmlformats.org/presentationml/2006/main">
+  <p:cSld>
+    <p:spTree>
+      <p:nvGrpSpPr>
+        <p:cNvPr id="1" name=""/>
+        <p:cNvGrpSpPr/>
+        <p:nvPr/>
+      </p:nvGrpSpPr>
+      <p:grpSpPr>
+        <a:xfrm>
+          <a:off x="0" y="0"/>
+          <a:ext cx="0" cy="0"/>
+          <a:chOff x="0" y="0"/>
+          <a:chExt cx="0" cy="0"/>
+        </a:xfrm>
+      </p:grpSpPr>
+      <p:sp>
+        <p:nvSpPr>
+          <p:cNvPr id="2" name="Title 1">
+            <a:extLst>
+              <a:ext uri="{FF2B5EF4-FFF2-40B4-BE49-F238E27FC236}">
+                <a16:creationId xmlns:a16="http://schemas.microsoft.com/office/drawing/2014/main" id="{A53E70D1-6185-471B-8D89-F3488E80B802}"/>
+              </a:ext>
+            </a:extLst>
+          </p:cNvPr>
+          <p:cNvSpPr>
+            <a:spLocks noGrp="1"/>
+          </p:cNvSpPr>
+          <p:nvPr>
+            <p:ph type="title"/>
+          </p:nvPr>
+        </p:nvSpPr>
+        <p:spPr/>
+        <p:txBody>
+          <a:bodyPr/>
+          <a:lstStyle/>
+          <a:p>
+            <a:r>
+              <a:rPr lang="en-US" dirty="0"/>
+              <a:t>Questions from Reading</a:t>
+            </a:r>
+          </a:p>
+        </p:txBody>
+      </p:sp>
+      <p:sp>
+        <p:nvSpPr>
+          <p:cNvPr id="3" name="Content Placeholder 2">
+            <a:extLst>
+              <a:ext uri="{FF2B5EF4-FFF2-40B4-BE49-F238E27FC236}">
+                <a16:creationId xmlns:a16="http://schemas.microsoft.com/office/drawing/2014/main" id="{6EEF27E4-79B6-4919-8718-E7D52A39F8DC}"/>
+              </a:ext>
+            </a:extLst>
+          </p:cNvPr>
+          <p:cNvSpPr>
+            <a:spLocks noGrp="1"/>
+          </p:cNvSpPr>
+          <p:nvPr>
+            <p:ph idx="1"/>
+          </p:nvPr>
+        </p:nvSpPr>
+        <p:spPr/>
+        <p:txBody>
+          <a:bodyPr/>
+          <a:lstStyle/>
+          <a:p>
+            <a:pPr marL="342900" indent="-342900">
+              <a:buAutoNum type="arabicPeriod"/>
+            </a:pPr>
+            <a:r>
+              <a:rPr lang="en-US" dirty="0"/>
+              <a:t>What is tokenization? What are some issues that arise with it? </a:t>
+            </a:r>
+          </a:p>
+          <a:p>
+            <a:pPr marL="342900" indent="-342900">
+              <a:buAutoNum type="arabicPeriod"/>
+            </a:pPr>
+            <a:r>
+              <a:rPr lang="en-US" dirty="0"/>
+              <a:t>What is hyphenation? </a:t>
+            </a:r>
+          </a:p>
+        </p:txBody>
+      </p:sp>
+    </p:spTree>
+    <p:extLst>
+      <p:ext uri="{BB962C8B-B14F-4D97-AF65-F5344CB8AC3E}">
+        <p14:creationId xmlns:p14="http://schemas.microsoft.com/office/powerpoint/2010/main" val="4147735644"/>
+      </p:ext>
+    </p:extLst>
+  </p:cSld>
+  <p:clrMapOvr>
+    <a:masterClrMapping/>
+  </p:clrMapOvr>
+</p:sld>
+</file>
+
+<file path=ppt/slides/slide9.xml><?xml version="1.0" encoding="utf-8"?>
+<p:sld xmlns:a="http://schemas.openxmlformats.org/drawingml/2006/main" xmlns:r="http://schemas.openxmlformats.org/officeDocument/2006/relationships" xmlns:p="http://schemas.openxmlformats.org/presentationml/2006/main">
+  <p:cSld>
+    <p:spTree>
+      <p:nvGrpSpPr>
+        <p:cNvPr id="1" name=""/>
+        <p:cNvGrpSpPr/>
+        <p:nvPr/>
+      </p:nvGrpSpPr>
+      <p:grpSpPr>
+        <a:xfrm>
+          <a:off x="0" y="0"/>
+          <a:ext cx="0" cy="0"/>
+          <a:chOff x="0" y="0"/>
+          <a:chExt cx="0" cy="0"/>
+        </a:xfrm>
+      </p:grpSpPr>
+      <p:sp>
+        <p:nvSpPr>
+          <p:cNvPr id="4" name="Title 3">
+            <a:extLst>
+              <a:ext uri="{FF2B5EF4-FFF2-40B4-BE49-F238E27FC236}">
+                <a16:creationId xmlns:a16="http://schemas.microsoft.com/office/drawing/2014/main" id="{297BDE90-8DCF-4039-AB05-11C3F09C3813}"/>
+              </a:ext>
+            </a:extLst>
+          </p:cNvPr>
+          <p:cNvSpPr>
+            <a:spLocks noGrp="1"/>
+          </p:cNvSpPr>
+          <p:nvPr>
+            <p:ph type="ctrTitle"/>
+          </p:nvPr>
+        </p:nvSpPr>
+        <p:spPr/>
+        <p:txBody>
+          <a:bodyPr/>
+          <a:lstStyle/>
+          <a:p>
+            <a:r>
+              <a:rPr lang="en-US" dirty="0"/>
+              <a:t>Break (15 Minutes)</a:t>
+            </a:r>
+          </a:p>
+        </p:txBody>
+      </p:sp>
+      <p:sp>
+        <p:nvSpPr>
+          <p:cNvPr id="5" name="Subtitle 4">
+            <a:extLst>
+              <a:ext uri="{FF2B5EF4-FFF2-40B4-BE49-F238E27FC236}">
+                <a16:creationId xmlns:a16="http://schemas.microsoft.com/office/drawing/2014/main" id="{AE43AD4D-53BE-4D90-B4EE-A313556AC5A9}"/>
+              </a:ext>
+            </a:extLst>
+          </p:cNvPr>
+          <p:cNvSpPr>
+            <a:spLocks noGrp="1"/>
+          </p:cNvSpPr>
+          <p:nvPr>
+            <p:ph type="subTitle" idx="1"/>
+          </p:nvPr>
+        </p:nvSpPr>
+        <p:spPr/>
+        <p:txBody>
+          <a:bodyPr/>
+          <a:lstStyle/>
+          <a:p>
+            <a:r>
+              <a:rPr lang="en-US" dirty="0"/>
+              <a:t>Attendance </a:t>
+            </a:r>
+            <a:r>
+              <a:rPr lang="en-US" dirty="0" err="1"/>
+              <a:t>word:</a:t>
+            </a:r>
+            <a:r>
+              <a:rPr lang="en-US" b="0" i="0" dirty="0" err="1">
+                <a:solidFill>
+                  <a:schemeClr val="tx1"/>
+                </a:solidFill>
+                <a:effectLst/>
+                <a:latin typeface="Slack-Lato"/>
+              </a:rPr>
+              <a:t>CSSConjurer</a:t>
+            </a:r>
+            <a:r>
+              <a:rPr lang="en-US" b="0" i="0" dirty="0">
+                <a:solidFill>
+                  <a:srgbClr val="1D1C1D"/>
+                </a:solidFill>
+                <a:effectLst/>
+                <a:latin typeface="Slack-Lato"/>
+              </a:rPr>
+              <a:t> </a:t>
+            </a:r>
+            <a:endParaRPr lang="en-US" dirty="0">
+              <a:solidFill>
+                <a:schemeClr val="tx1">
+                  <a:lumMod val="95000"/>
+                </a:schemeClr>
+              </a:solidFill>
+            </a:endParaRPr>
+          </a:p>
+        </p:txBody>
+      </p:sp>
+    </p:spTree>
+    <p:extLst>
+      <p:ext uri="{BB962C8B-B14F-4D97-AF65-F5344CB8AC3E}">
+        <p14:creationId xmlns:p14="http://schemas.microsoft.com/office/powerpoint/2010/main" val="2787214284"/>
       </p:ext>
     </p:extLst>
   </p:cSld>
